--- a/Presentazione.pptx
+++ b/Presentazione.pptx
@@ -3079,11 +3079,29 @@
             <p:ph type="ctrTitle"/>
           </p:nvPr>
         </p:nvSpPr>
-        <p:spPr/>
-        <p:txBody>
-          <a:bodyPr/>
-          <a:lstStyle/>
-          <a:p>
+        <p:spPr>
+          <a:xfrm>
+            <a:off x="571472" y="857232"/>
+            <a:ext cx="7772400" cy="1470025"/>
+          </a:xfrm>
+        </p:spPr>
+        <p:txBody>
+          <a:bodyPr>
+            <a:normAutofit fontScale="90000"/>
+          </a:bodyPr>
+          <a:lstStyle/>
+          <a:p>
+            <a:r>
+              <a:rPr lang="it-IT" b="1" dirty="0" smtClean="0"/>
+              <a:t>Strutture compresse: implementazione grafica di un Wavelet Tree in java</a:t>
+            </a:r>
+            <a:r>
+              <a:rPr lang="it-IT" dirty="0" smtClean="0"/>
+              <a:t/>
+            </a:r>
+            <a:br>
+              <a:rPr lang="it-IT" dirty="0" smtClean="0"/>
+            </a:br>
             <a:endParaRPr lang="it-IT" dirty="0"/>
           </a:p>
         </p:txBody>
@@ -3098,15 +3116,100 @@
             <p:ph type="subTitle" idx="1"/>
           </p:nvPr>
         </p:nvSpPr>
-        <p:spPr/>
-        <p:txBody>
-          <a:bodyPr/>
-          <a:lstStyle/>
-          <a:p>
-            <a:endParaRPr lang="it-IT"/>
-          </a:p>
-        </p:txBody>
-      </p:sp>
+        <p:spPr>
+          <a:xfrm>
+            <a:off x="714348" y="4357694"/>
+            <a:ext cx="7786742" cy="2500306"/>
+          </a:xfrm>
+        </p:spPr>
+        <p:txBody>
+          <a:bodyPr>
+            <a:normAutofit/>
+          </a:bodyPr>
+          <a:lstStyle/>
+          <a:p>
+            <a:pPr algn="l"/>
+            <a:r>
+              <a:rPr lang="it-IT" dirty="0" smtClean="0"/>
+              <a:t>Primo </a:t>
+            </a:r>
+            <a:r>
+              <a:rPr lang="it-IT" dirty="0" smtClean="0"/>
+              <a:t>Relatore :  </a:t>
+            </a:r>
+            <a:r>
+              <a:rPr lang="it-IT" dirty="0" smtClean="0"/>
+              <a:t>Viviana Bono</a:t>
+            </a:r>
+          </a:p>
+          <a:p>
+            <a:pPr algn="l"/>
+            <a:r>
+              <a:rPr lang="it-IT" dirty="0" smtClean="0"/>
+              <a:t>Secondo </a:t>
+            </a:r>
+            <a:r>
+              <a:rPr lang="it-IT" dirty="0" smtClean="0"/>
+              <a:t>Relatore : </a:t>
+            </a:r>
+            <a:r>
+              <a:rPr lang="it-IT" dirty="0" smtClean="0"/>
+              <a:t>Ferruccio Damiani</a:t>
+            </a:r>
+          </a:p>
+          <a:p>
+            <a:pPr algn="l"/>
+            <a:r>
+              <a:rPr lang="it-IT" dirty="0" smtClean="0"/>
+              <a:t>Correlatore : </a:t>
+            </a:r>
+            <a:r>
+              <a:rPr lang="it-IT" dirty="0" smtClean="0"/>
+              <a:t>Giorgio </a:t>
+            </a:r>
+            <a:r>
+              <a:rPr lang="it-IT" dirty="0" err="1" smtClean="0"/>
+              <a:t>Audrito</a:t>
+            </a:r>
+            <a:endParaRPr lang="it-IT" dirty="0" smtClean="0"/>
+          </a:p>
+          <a:p>
+            <a:pPr algn="l"/>
+            <a:r>
+              <a:rPr lang="it-IT" dirty="0" smtClean="0"/>
+              <a:t>Candidato : Luca Serena</a:t>
+            </a:r>
+            <a:endParaRPr lang="it-IT" dirty="0" smtClean="0"/>
+          </a:p>
+          <a:p>
+            <a:endParaRPr lang="it-IT" dirty="0"/>
+          </a:p>
+        </p:txBody>
+      </p:sp>
+      <p:pic>
+        <p:nvPicPr>
+          <p:cNvPr id="4" name="Immagine 3" descr="unito.jpg"/>
+          <p:cNvPicPr>
+            <a:picLocks noChangeAspect="1"/>
+          </p:cNvPicPr>
+          <p:nvPr/>
+        </p:nvPicPr>
+        <p:blipFill>
+          <a:blip r:embed="rId2" cstate="print"/>
+          <a:stretch>
+            <a:fillRect/>
+          </a:stretch>
+        </p:blipFill>
+        <p:spPr>
+          <a:xfrm>
+            <a:off x="2357422" y="2357430"/>
+            <a:ext cx="4924425" cy="1905000"/>
+          </a:xfrm>
+          <a:prstGeom prst="rect">
+            <a:avLst/>
+          </a:prstGeom>
+        </p:spPr>
+      </p:pic>
     </p:spTree>
   </p:cSld>
   <p:clrMapOvr>
@@ -3309,27 +3412,22 @@
       </p:grpSpPr>
       <p:sp>
         <p:nvSpPr>
-          <p:cNvPr id="2" name="Titolo 1"/>
-          <p:cNvSpPr>
-            <a:spLocks noGrp="1"/>
-          </p:cNvSpPr>
-          <p:nvPr>
-            <p:ph type="title"/>
-          </p:nvPr>
-        </p:nvSpPr>
-        <p:spPr>
-          <a:xfrm>
-            <a:off x="428596" y="1285860"/>
-            <a:ext cx="8229600" cy="1143000"/>
-          </a:xfrm>
-        </p:spPr>
-        <p:txBody>
-          <a:bodyPr/>
-          <a:lstStyle/>
-          <a:p>
-            <a:r>
-              <a:rPr lang="it-IT" dirty="0" smtClean="0"/>
-              <a:t>Tipi di informazione:</a:t>
+          <p:cNvPr id="4" name="Segnaposto testo 3"/>
+          <p:cNvSpPr>
+            <a:spLocks noGrp="1"/>
+          </p:cNvSpPr>
+          <p:nvPr>
+            <p:ph type="body" idx="1"/>
+          </p:nvPr>
+        </p:nvSpPr>
+        <p:spPr/>
+        <p:txBody>
+          <a:bodyPr/>
+          <a:lstStyle/>
+          <a:p>
+            <a:r>
+              <a:rPr lang="it-IT" dirty="0" smtClean="0"/>
+              <a:t>Tipi di informazione</a:t>
             </a:r>
             <a:endParaRPr lang="it-IT" dirty="0"/>
           </a:p>
@@ -3342,15 +3440,10 @@
             <a:spLocks noGrp="1"/>
           </p:cNvSpPr>
           <p:nvPr>
-            <p:ph idx="1"/>
-          </p:nvPr>
-        </p:nvSpPr>
-        <p:spPr>
-          <a:xfrm>
-            <a:off x="571472" y="3357562"/>
-            <a:ext cx="8229600" cy="2857521"/>
-          </a:xfrm>
-        </p:spPr>
+            <p:ph sz="half" idx="2"/>
+          </p:nvPr>
+        </p:nvSpPr>
+        <p:spPr/>
         <p:txBody>
           <a:bodyPr/>
           <a:lstStyle/>
@@ -3369,8 +3462,69 @@
           <a:p>
             <a:r>
               <a:rPr lang="it-IT" dirty="0" smtClean="0"/>
-              <a:t>fondamentale</a:t>
-            </a:r>
+              <a:t>F</a:t>
+            </a:r>
+            <a:r>
+              <a:rPr lang="it-IT" dirty="0" smtClean="0"/>
+              <a:t>ondamentale</a:t>
+            </a:r>
+            <a:endParaRPr lang="it-IT" dirty="0" smtClean="0"/>
+          </a:p>
+        </p:txBody>
+      </p:sp>
+      <p:sp>
+        <p:nvSpPr>
+          <p:cNvPr id="5" name="Segnaposto testo 4"/>
+          <p:cNvSpPr>
+            <a:spLocks noGrp="1"/>
+          </p:cNvSpPr>
+          <p:nvPr>
+            <p:ph type="body" sz="quarter" idx="3"/>
+          </p:nvPr>
+        </p:nvSpPr>
+        <p:spPr/>
+        <p:txBody>
+          <a:bodyPr/>
+          <a:lstStyle/>
+          <a:p>
+            <a:r>
+              <a:rPr lang="it-IT" dirty="0" smtClean="0"/>
+              <a:t>Tecniche di compressione</a:t>
+            </a:r>
+            <a:endParaRPr lang="it-IT" dirty="0"/>
+          </a:p>
+        </p:txBody>
+      </p:sp>
+      <p:sp>
+        <p:nvSpPr>
+          <p:cNvPr id="6" name="Segnaposto contenuto 5"/>
+          <p:cNvSpPr>
+            <a:spLocks noGrp="1"/>
+          </p:cNvSpPr>
+          <p:nvPr>
+            <p:ph sz="quarter" idx="4"/>
+          </p:nvPr>
+        </p:nvSpPr>
+        <p:spPr/>
+        <p:txBody>
+          <a:bodyPr/>
+          <a:lstStyle/>
+          <a:p>
+            <a:r>
+              <a:rPr lang="it-IT" dirty="0" err="1" smtClean="0"/>
+              <a:t>Lossy</a:t>
+            </a:r>
+            <a:r>
+              <a:rPr lang="it-IT" dirty="0" smtClean="0"/>
+              <a:t>: con perdita di informazione irrilevante</a:t>
+            </a:r>
+          </a:p>
+          <a:p>
+            <a:r>
+              <a:rPr lang="it-IT" dirty="0" smtClean="0"/>
+              <a:t>Lossless: solamente perdita di informazione ridondante</a:t>
+            </a:r>
+            <a:endParaRPr lang="it-IT" dirty="0"/>
           </a:p>
         </p:txBody>
       </p:sp>
@@ -3437,7 +3591,23 @@
           <a:bodyPr/>
           <a:lstStyle/>
           <a:p>
-            <a:endParaRPr lang="it-IT"/>
+            <a:pPr algn="just">
+              <a:buNone/>
+            </a:pPr>
+            <a:r>
+              <a:rPr lang="it-IT" dirty="0" smtClean="0"/>
+              <a:t>    Misura il disordine, </a:t>
+            </a:r>
+            <a:r>
+              <a:rPr lang="it-IT" dirty="0" smtClean="0"/>
+              <a:t>è un indicatore dell’incertezza in una sorgente di dati e può essere definita come l’informazione media contenuta in tali messaggi.</a:t>
+            </a:r>
+          </a:p>
+          <a:p>
+            <a:pPr>
+              <a:buNone/>
+            </a:pPr>
+            <a:endParaRPr lang="it-IT" dirty="0"/>
           </a:p>
         </p:txBody>
       </p:sp>
@@ -3733,7 +3903,7 @@
       </p:grpSpPr>
       <p:sp>
         <p:nvSpPr>
-          <p:cNvPr id="2" name="Titolo 1"/>
+          <p:cNvPr id="7" name="Titolo 6"/>
           <p:cNvSpPr>
             <a:spLocks noGrp="1"/>
           </p:cNvSpPr>
@@ -3746,6 +3916,10 @@
           <a:bodyPr/>
           <a:lstStyle/>
           <a:p>
+            <a:r>
+              <a:rPr lang="it-IT" dirty="0" smtClean="0"/>
+              <a:t>Query su strutture dati compresse</a:t>
+            </a:r>
             <a:endParaRPr lang="it-IT" dirty="0"/>
           </a:p>
         </p:txBody>
@@ -3760,15 +3934,33 @@
             <p:ph sz="half" idx="1"/>
           </p:nvPr>
         </p:nvSpPr>
-        <p:spPr/>
-        <p:txBody>
-          <a:bodyPr/>
-          <a:lstStyle/>
-          <a:p>
-            <a:r>
-              <a:rPr lang="it-IT" dirty="0" err="1" smtClean="0"/>
-              <a:t>Rank</a:t>
-            </a:r>
+        <p:spPr>
+          <a:xfrm>
+            <a:off x="571472" y="3214686"/>
+            <a:ext cx="4038600" cy="2471742"/>
+          </a:xfrm>
+        </p:spPr>
+        <p:txBody>
+          <a:bodyPr/>
+          <a:lstStyle/>
+          <a:p>
+            <a:r>
+              <a:rPr lang="it-IT" dirty="0" smtClean="0"/>
+              <a:t>R</a:t>
+            </a:r>
+            <a:r>
+              <a:rPr lang="it-IT" dirty="0" smtClean="0"/>
+              <a:t>ank1(S, i): </a:t>
+            </a:r>
+            <a:br>
+              <a:rPr lang="it-IT" dirty="0" smtClean="0"/>
+            </a:br>
+            <a:r>
+              <a:rPr lang="it-IT" dirty="0" smtClean="0"/>
+              <a:t>restituisce il numero di 1 nel prefisso S[1, i]</a:t>
+            </a:r>
+          </a:p>
+          <a:p>
             <a:endParaRPr lang="it-IT" dirty="0"/>
           </a:p>
         </p:txBody>
@@ -3783,15 +3975,29 @@
             <p:ph sz="half" idx="2"/>
           </p:nvPr>
         </p:nvSpPr>
-        <p:spPr/>
-        <p:txBody>
-          <a:bodyPr/>
-          <a:lstStyle/>
-          <a:p>
-            <a:r>
-              <a:rPr lang="it-IT" dirty="0" err="1" smtClean="0"/>
-              <a:t>Select</a:t>
-            </a:r>
+        <p:spPr>
+          <a:xfrm>
+            <a:off x="4643438" y="3357562"/>
+            <a:ext cx="4067204" cy="2114552"/>
+          </a:xfrm>
+        </p:spPr>
+        <p:txBody>
+          <a:bodyPr/>
+          <a:lstStyle/>
+          <a:p>
+            <a:r>
+              <a:rPr lang="it-IT" dirty="0" smtClean="0"/>
+              <a:t>Select1(S, i):</a:t>
+            </a:r>
+            <a:br>
+              <a:rPr lang="it-IT" dirty="0" smtClean="0"/>
+            </a:br>
+            <a:r>
+              <a:rPr lang="it-IT" dirty="0" smtClean="0"/>
+              <a:t> restituisce la posizione dell’i-esimo 1 in S</a:t>
+            </a:r>
+          </a:p>
+          <a:p>
             <a:endParaRPr lang="it-IT" dirty="0"/>
           </a:p>
         </p:txBody>
@@ -3868,6 +4074,30 @@
           </a:p>
         </p:txBody>
       </p:sp>
+      <p:pic>
+        <p:nvPicPr>
+          <p:cNvPr id="4" name="Immagine 3" descr="wavelet-tree.png"/>
+          <p:cNvPicPr>
+            <a:picLocks noChangeAspect="1"/>
+          </p:cNvPicPr>
+          <p:nvPr/>
+        </p:nvPicPr>
+        <p:blipFill>
+          <a:blip r:embed="rId2" cstate="print"/>
+          <a:stretch>
+            <a:fillRect/>
+          </a:stretch>
+        </p:blipFill>
+        <p:spPr>
+          <a:xfrm>
+            <a:off x="1214414" y="2357430"/>
+            <a:ext cx="6677957" cy="3315163"/>
+          </a:xfrm>
+          <a:prstGeom prst="rect">
+            <a:avLst/>
+          </a:prstGeom>
+        </p:spPr>
+      </p:pic>
     </p:spTree>
   </p:cSld>
   <p:clrMapOvr>
@@ -4001,7 +4231,7 @@
         </p:blipFill>
         <p:spPr>
           <a:xfrm>
-            <a:off x="0" y="2000240"/>
+            <a:off x="142844" y="2071678"/>
             <a:ext cx="8780279" cy="3417119"/>
           </a:xfrm>
         </p:spPr>

--- a/Presentazione.pptx
+++ b/Presentazione.pptx
@@ -4,6 +4,9 @@
   <p:sldMasterIdLst>
     <p:sldMasterId id="2147483648" r:id="rId1"/>
   </p:sldMasterIdLst>
+  <p:notesMasterIdLst>
+    <p:notesMasterId r:id="rId13"/>
+  </p:notesMasterIdLst>
   <p:sldIdLst>
     <p:sldId id="256" r:id="rId2"/>
     <p:sldId id="257" r:id="rId3"/>
@@ -117,6 +120,353 @@
 </p:presentation>
 </file>
 
+<file path=ppt/notesMasters/notesMaster1.xml><?xml version="1.0" encoding="utf-8"?>
+<p:notesMaster xmlns:a="http://schemas.openxmlformats.org/drawingml/2006/main" xmlns:r="http://schemas.openxmlformats.org/officeDocument/2006/relationships" xmlns:p="http://schemas.openxmlformats.org/presentationml/2006/main">
+  <p:cSld>
+    <p:bg>
+      <p:bgRef idx="1001">
+        <a:schemeClr val="bg1"/>
+      </p:bgRef>
+    </p:bg>
+    <p:spTree>
+      <p:nvGrpSpPr>
+        <p:cNvPr id="1" name=""/>
+        <p:cNvGrpSpPr/>
+        <p:nvPr/>
+      </p:nvGrpSpPr>
+      <p:grpSpPr>
+        <a:xfrm>
+          <a:off x="0" y="0"/>
+          <a:ext cx="0" cy="0"/>
+          <a:chOff x="0" y="0"/>
+          <a:chExt cx="0" cy="0"/>
+        </a:xfrm>
+      </p:grpSpPr>
+      <p:sp>
+        <p:nvSpPr>
+          <p:cNvPr id="2" name="Segnaposto intestazione 1"/>
+          <p:cNvSpPr>
+            <a:spLocks noGrp="1"/>
+          </p:cNvSpPr>
+          <p:nvPr>
+            <p:ph type="hdr" sz="quarter"/>
+          </p:nvPr>
+        </p:nvSpPr>
+        <p:spPr>
+          <a:xfrm>
+            <a:off x="0" y="0"/>
+            <a:ext cx="2971800" cy="457200"/>
+          </a:xfrm>
+          <a:prstGeom prst="rect">
+            <a:avLst/>
+          </a:prstGeom>
+        </p:spPr>
+        <p:txBody>
+          <a:bodyPr vert="horz" lIns="91440" tIns="45720" rIns="91440" bIns="45720" rtlCol="0"/>
+          <a:lstStyle>
+            <a:lvl1pPr algn="l">
+              <a:defRPr sz="1200"/>
+            </a:lvl1pPr>
+          </a:lstStyle>
+          <a:p>
+            <a:endParaRPr lang="it-IT"/>
+          </a:p>
+        </p:txBody>
+      </p:sp>
+      <p:sp>
+        <p:nvSpPr>
+          <p:cNvPr id="3" name="Segnaposto data 2"/>
+          <p:cNvSpPr>
+            <a:spLocks noGrp="1"/>
+          </p:cNvSpPr>
+          <p:nvPr>
+            <p:ph type="dt" idx="1"/>
+          </p:nvPr>
+        </p:nvSpPr>
+        <p:spPr>
+          <a:xfrm>
+            <a:off x="3884613" y="0"/>
+            <a:ext cx="2971800" cy="457200"/>
+          </a:xfrm>
+          <a:prstGeom prst="rect">
+            <a:avLst/>
+          </a:prstGeom>
+        </p:spPr>
+        <p:txBody>
+          <a:bodyPr vert="horz" lIns="91440" tIns="45720" rIns="91440" bIns="45720" rtlCol="0"/>
+          <a:lstStyle>
+            <a:lvl1pPr algn="r">
+              <a:defRPr sz="1200"/>
+            </a:lvl1pPr>
+          </a:lstStyle>
+          <a:p>
+            <a:fld id="{C0BF647C-678E-4BAF-A62A-DB76FDA5BE3B}" type="datetimeFigureOut">
+              <a:rPr lang="it-IT" smtClean="0"/>
+              <a:t>10/10/2017</a:t>
+            </a:fld>
+            <a:endParaRPr lang="it-IT"/>
+          </a:p>
+        </p:txBody>
+      </p:sp>
+      <p:sp>
+        <p:nvSpPr>
+          <p:cNvPr id="4" name="Segnaposto immagine diapositiva 3"/>
+          <p:cNvSpPr>
+            <a:spLocks noGrp="1" noRot="1" noChangeAspect="1"/>
+          </p:cNvSpPr>
+          <p:nvPr>
+            <p:ph type="sldImg" idx="2"/>
+          </p:nvPr>
+        </p:nvSpPr>
+        <p:spPr>
+          <a:xfrm>
+            <a:off x="1143000" y="685800"/>
+            <a:ext cx="4572000" cy="3429000"/>
+          </a:xfrm>
+          <a:prstGeom prst="rect">
+            <a:avLst/>
+          </a:prstGeom>
+          <a:noFill/>
+          <a:ln w="12700">
+            <a:solidFill>
+              <a:prstClr val="black"/>
+            </a:solidFill>
+          </a:ln>
+        </p:spPr>
+        <p:txBody>
+          <a:bodyPr vert="horz" lIns="91440" tIns="45720" rIns="91440" bIns="45720" rtlCol="0" anchor="ctr"/>
+          <a:lstStyle/>
+          <a:p>
+            <a:endParaRPr lang="it-IT"/>
+          </a:p>
+        </p:txBody>
+      </p:sp>
+      <p:sp>
+        <p:nvSpPr>
+          <p:cNvPr id="5" name="Segnaposto note 4"/>
+          <p:cNvSpPr>
+            <a:spLocks noGrp="1"/>
+          </p:cNvSpPr>
+          <p:nvPr>
+            <p:ph type="body" sz="quarter" idx="3"/>
+          </p:nvPr>
+        </p:nvSpPr>
+        <p:spPr>
+          <a:xfrm>
+            <a:off x="685800" y="4343400"/>
+            <a:ext cx="5486400" cy="4114800"/>
+          </a:xfrm>
+          <a:prstGeom prst="rect">
+            <a:avLst/>
+          </a:prstGeom>
+        </p:spPr>
+        <p:txBody>
+          <a:bodyPr vert="horz" lIns="91440" tIns="45720" rIns="91440" bIns="45720" rtlCol="0">
+            <a:normAutofit/>
+          </a:bodyPr>
+          <a:lstStyle/>
+          <a:p>
+            <a:pPr lvl="0"/>
+            <a:r>
+              <a:rPr lang="it-IT" smtClean="0"/>
+              <a:t>Fare clic per modificare stili del testo dello schema</a:t>
+            </a:r>
+          </a:p>
+          <a:p>
+            <a:pPr lvl="1"/>
+            <a:r>
+              <a:rPr lang="it-IT" smtClean="0"/>
+              <a:t>Secondo livello</a:t>
+            </a:r>
+          </a:p>
+          <a:p>
+            <a:pPr lvl="2"/>
+            <a:r>
+              <a:rPr lang="it-IT" smtClean="0"/>
+              <a:t>Terzo livello</a:t>
+            </a:r>
+          </a:p>
+          <a:p>
+            <a:pPr lvl="3"/>
+            <a:r>
+              <a:rPr lang="it-IT" smtClean="0"/>
+              <a:t>Quarto livello</a:t>
+            </a:r>
+          </a:p>
+          <a:p>
+            <a:pPr lvl="4"/>
+            <a:r>
+              <a:rPr lang="it-IT" smtClean="0"/>
+              <a:t>Quinto livello</a:t>
+            </a:r>
+            <a:endParaRPr lang="it-IT"/>
+          </a:p>
+        </p:txBody>
+      </p:sp>
+      <p:sp>
+        <p:nvSpPr>
+          <p:cNvPr id="6" name="Segnaposto piè di pagina 5"/>
+          <p:cNvSpPr>
+            <a:spLocks noGrp="1"/>
+          </p:cNvSpPr>
+          <p:nvPr>
+            <p:ph type="ftr" sz="quarter" idx="4"/>
+          </p:nvPr>
+        </p:nvSpPr>
+        <p:spPr>
+          <a:xfrm>
+            <a:off x="0" y="8685213"/>
+            <a:ext cx="2971800" cy="457200"/>
+          </a:xfrm>
+          <a:prstGeom prst="rect">
+            <a:avLst/>
+          </a:prstGeom>
+        </p:spPr>
+        <p:txBody>
+          <a:bodyPr vert="horz" lIns="91440" tIns="45720" rIns="91440" bIns="45720" rtlCol="0" anchor="b"/>
+          <a:lstStyle>
+            <a:lvl1pPr algn="l">
+              <a:defRPr sz="1200"/>
+            </a:lvl1pPr>
+          </a:lstStyle>
+          <a:p>
+            <a:endParaRPr lang="it-IT"/>
+          </a:p>
+        </p:txBody>
+      </p:sp>
+      <p:sp>
+        <p:nvSpPr>
+          <p:cNvPr id="7" name="Segnaposto numero diapositiva 6"/>
+          <p:cNvSpPr>
+            <a:spLocks noGrp="1"/>
+          </p:cNvSpPr>
+          <p:nvPr>
+            <p:ph type="sldNum" sz="quarter" idx="5"/>
+          </p:nvPr>
+        </p:nvSpPr>
+        <p:spPr>
+          <a:xfrm>
+            <a:off x="3884613" y="8685213"/>
+            <a:ext cx="2971800" cy="457200"/>
+          </a:xfrm>
+          <a:prstGeom prst="rect">
+            <a:avLst/>
+          </a:prstGeom>
+        </p:spPr>
+        <p:txBody>
+          <a:bodyPr vert="horz" lIns="91440" tIns="45720" rIns="91440" bIns="45720" rtlCol="0" anchor="b"/>
+          <a:lstStyle>
+            <a:lvl1pPr algn="r">
+              <a:defRPr sz="1200"/>
+            </a:lvl1pPr>
+          </a:lstStyle>
+          <a:p>
+            <a:fld id="{77F9F44A-05E0-4CC5-8A73-021C2BEDBA20}" type="slidenum">
+              <a:rPr lang="it-IT" smtClean="0"/>
+              <a:t>‹N›</a:t>
+            </a:fld>
+            <a:endParaRPr lang="it-IT"/>
+          </a:p>
+        </p:txBody>
+      </p:sp>
+    </p:spTree>
+  </p:cSld>
+  <p:clrMap bg1="lt1" tx1="dk1" bg2="lt2" tx2="dk2" accent1="accent1" accent2="accent2" accent3="accent3" accent4="accent4" accent5="accent5" accent6="accent6" hlink="hlink" folHlink="folHlink"/>
+  <p:notesStyle>
+    <a:lvl1pPr marL="0" algn="l" defTabSz="914400" rtl="0" eaLnBrk="1" latinLnBrk="0" hangingPunct="1">
+      <a:defRPr sz="1200" kern="1200">
+        <a:solidFill>
+          <a:schemeClr val="tx1"/>
+        </a:solidFill>
+        <a:latin typeface="+mn-lt"/>
+        <a:ea typeface="+mn-ea"/>
+        <a:cs typeface="+mn-cs"/>
+      </a:defRPr>
+    </a:lvl1pPr>
+    <a:lvl2pPr marL="457200" algn="l" defTabSz="914400" rtl="0" eaLnBrk="1" latinLnBrk="0" hangingPunct="1">
+      <a:defRPr sz="1200" kern="1200">
+        <a:solidFill>
+          <a:schemeClr val="tx1"/>
+        </a:solidFill>
+        <a:latin typeface="+mn-lt"/>
+        <a:ea typeface="+mn-ea"/>
+        <a:cs typeface="+mn-cs"/>
+      </a:defRPr>
+    </a:lvl2pPr>
+    <a:lvl3pPr marL="914400" algn="l" defTabSz="914400" rtl="0" eaLnBrk="1" latinLnBrk="0" hangingPunct="1">
+      <a:defRPr sz="1200" kern="1200">
+        <a:solidFill>
+          <a:schemeClr val="tx1"/>
+        </a:solidFill>
+        <a:latin typeface="+mn-lt"/>
+        <a:ea typeface="+mn-ea"/>
+        <a:cs typeface="+mn-cs"/>
+      </a:defRPr>
+    </a:lvl3pPr>
+    <a:lvl4pPr marL="1371600" algn="l" defTabSz="914400" rtl="0" eaLnBrk="1" latinLnBrk="0" hangingPunct="1">
+      <a:defRPr sz="1200" kern="1200">
+        <a:solidFill>
+          <a:schemeClr val="tx1"/>
+        </a:solidFill>
+        <a:latin typeface="+mn-lt"/>
+        <a:ea typeface="+mn-ea"/>
+        <a:cs typeface="+mn-cs"/>
+      </a:defRPr>
+    </a:lvl4pPr>
+    <a:lvl5pPr marL="1828800" algn="l" defTabSz="914400" rtl="0" eaLnBrk="1" latinLnBrk="0" hangingPunct="1">
+      <a:defRPr sz="1200" kern="1200">
+        <a:solidFill>
+          <a:schemeClr val="tx1"/>
+        </a:solidFill>
+        <a:latin typeface="+mn-lt"/>
+        <a:ea typeface="+mn-ea"/>
+        <a:cs typeface="+mn-cs"/>
+      </a:defRPr>
+    </a:lvl5pPr>
+    <a:lvl6pPr marL="2286000" algn="l" defTabSz="914400" rtl="0" eaLnBrk="1" latinLnBrk="0" hangingPunct="1">
+      <a:defRPr sz="1200" kern="1200">
+        <a:solidFill>
+          <a:schemeClr val="tx1"/>
+        </a:solidFill>
+        <a:latin typeface="+mn-lt"/>
+        <a:ea typeface="+mn-ea"/>
+        <a:cs typeface="+mn-cs"/>
+      </a:defRPr>
+    </a:lvl6pPr>
+    <a:lvl7pPr marL="2743200" algn="l" defTabSz="914400" rtl="0" eaLnBrk="1" latinLnBrk="0" hangingPunct="1">
+      <a:defRPr sz="1200" kern="1200">
+        <a:solidFill>
+          <a:schemeClr val="tx1"/>
+        </a:solidFill>
+        <a:latin typeface="+mn-lt"/>
+        <a:ea typeface="+mn-ea"/>
+        <a:cs typeface="+mn-cs"/>
+      </a:defRPr>
+    </a:lvl7pPr>
+    <a:lvl8pPr marL="3200400" algn="l" defTabSz="914400" rtl="0" eaLnBrk="1" latinLnBrk="0" hangingPunct="1">
+      <a:defRPr sz="1200" kern="1200">
+        <a:solidFill>
+          <a:schemeClr val="tx1"/>
+        </a:solidFill>
+        <a:latin typeface="+mn-lt"/>
+        <a:ea typeface="+mn-ea"/>
+        <a:cs typeface="+mn-cs"/>
+      </a:defRPr>
+    </a:lvl8pPr>
+    <a:lvl9pPr marL="3657600" algn="l" defTabSz="914400" rtl="0" eaLnBrk="1" latinLnBrk="0" hangingPunct="1">
+      <a:defRPr sz="1200" kern="1200">
+        <a:solidFill>
+          <a:schemeClr val="tx1"/>
+        </a:solidFill>
+        <a:latin typeface="+mn-lt"/>
+        <a:ea typeface="+mn-ea"/>
+        <a:cs typeface="+mn-cs"/>
+      </a:defRPr>
+    </a:lvl9pPr>
+  </p:notesStyle>
+</p:notesMaster>
+</file>
+
 <file path=ppt/slideLayouts/slideLayout1.xml><?xml version="1.0" encoding="utf-8"?>
 <p:sldLayout xmlns:a="http://schemas.openxmlformats.org/drawingml/2006/main" xmlns:r="http://schemas.openxmlformats.org/officeDocument/2006/relationships" xmlns:p="http://schemas.openxmlformats.org/presentationml/2006/main" type="title" preserve="1">
   <p:cSld name="Diapositiva titolo">
@@ -299,7 +649,7 @@
             <a:fld id="{01FE43F8-948C-41C7-9098-19AFA16863E9}" type="datetimeFigureOut">
               <a:rPr lang="it-IT" smtClean="0"/>
               <a:pPr/>
-              <a:t>01/10/2017</a:t>
+              <a:t>10/10/2017</a:t>
             </a:fld>
             <a:endParaRPr lang="it-IT"/>
           </a:p>
@@ -466,7 +816,7 @@
             <a:fld id="{01FE43F8-948C-41C7-9098-19AFA16863E9}" type="datetimeFigureOut">
               <a:rPr lang="it-IT" smtClean="0"/>
               <a:pPr/>
-              <a:t>01/10/2017</a:t>
+              <a:t>10/10/2017</a:t>
             </a:fld>
             <a:endParaRPr lang="it-IT"/>
           </a:p>
@@ -643,7 +993,7 @@
             <a:fld id="{01FE43F8-948C-41C7-9098-19AFA16863E9}" type="datetimeFigureOut">
               <a:rPr lang="it-IT" smtClean="0"/>
               <a:pPr/>
-              <a:t>01/10/2017</a:t>
+              <a:t>10/10/2017</a:t>
             </a:fld>
             <a:endParaRPr lang="it-IT"/>
           </a:p>
@@ -810,7 +1160,7 @@
             <a:fld id="{01FE43F8-948C-41C7-9098-19AFA16863E9}" type="datetimeFigureOut">
               <a:rPr lang="it-IT" smtClean="0"/>
               <a:pPr/>
-              <a:t>01/10/2017</a:t>
+              <a:t>10/10/2017</a:t>
             </a:fld>
             <a:endParaRPr lang="it-IT"/>
           </a:p>
@@ -1053,7 +1403,7 @@
             <a:fld id="{01FE43F8-948C-41C7-9098-19AFA16863E9}" type="datetimeFigureOut">
               <a:rPr lang="it-IT" smtClean="0"/>
               <a:pPr/>
-              <a:t>01/10/2017</a:t>
+              <a:t>10/10/2017</a:t>
             </a:fld>
             <a:endParaRPr lang="it-IT"/>
           </a:p>
@@ -1338,7 +1688,7 @@
             <a:fld id="{01FE43F8-948C-41C7-9098-19AFA16863E9}" type="datetimeFigureOut">
               <a:rPr lang="it-IT" smtClean="0"/>
               <a:pPr/>
-              <a:t>01/10/2017</a:t>
+              <a:t>10/10/2017</a:t>
             </a:fld>
             <a:endParaRPr lang="it-IT"/>
           </a:p>
@@ -1757,7 +2107,7 @@
             <a:fld id="{01FE43F8-948C-41C7-9098-19AFA16863E9}" type="datetimeFigureOut">
               <a:rPr lang="it-IT" smtClean="0"/>
               <a:pPr/>
-              <a:t>01/10/2017</a:t>
+              <a:t>10/10/2017</a:t>
             </a:fld>
             <a:endParaRPr lang="it-IT"/>
           </a:p>
@@ -1872,7 +2222,7 @@
             <a:fld id="{01FE43F8-948C-41C7-9098-19AFA16863E9}" type="datetimeFigureOut">
               <a:rPr lang="it-IT" smtClean="0"/>
               <a:pPr/>
-              <a:t>01/10/2017</a:t>
+              <a:t>10/10/2017</a:t>
             </a:fld>
             <a:endParaRPr lang="it-IT"/>
           </a:p>
@@ -1964,7 +2314,7 @@
             <a:fld id="{01FE43F8-948C-41C7-9098-19AFA16863E9}" type="datetimeFigureOut">
               <a:rPr lang="it-IT" smtClean="0"/>
               <a:pPr/>
-              <a:t>01/10/2017</a:t>
+              <a:t>10/10/2017</a:t>
             </a:fld>
             <a:endParaRPr lang="it-IT"/>
           </a:p>
@@ -2238,7 +2588,7 @@
             <a:fld id="{01FE43F8-948C-41C7-9098-19AFA16863E9}" type="datetimeFigureOut">
               <a:rPr lang="it-IT" smtClean="0"/>
               <a:pPr/>
-              <a:t>01/10/2017</a:t>
+              <a:t>10/10/2017</a:t>
             </a:fld>
             <a:endParaRPr lang="it-IT"/>
           </a:p>
@@ -2488,7 +2838,7 @@
             <a:fld id="{01FE43F8-948C-41C7-9098-19AFA16863E9}" type="datetimeFigureOut">
               <a:rPr lang="it-IT" smtClean="0"/>
               <a:pPr/>
-              <a:t>01/10/2017</a:t>
+              <a:t>10/10/2017</a:t>
             </a:fld>
             <a:endParaRPr lang="it-IT"/>
           </a:p>
@@ -2698,7 +3048,7 @@
             <a:fld id="{01FE43F8-948C-41C7-9098-19AFA16863E9}" type="datetimeFigureOut">
               <a:rPr lang="it-IT" smtClean="0"/>
               <a:pPr/>
-              <a:t>01/10/2017</a:t>
+              <a:t>10/10/2017</a:t>
             </a:fld>
             <a:endParaRPr lang="it-IT"/>
           </a:p>
@@ -3093,7 +3443,23 @@
           <a:p>
             <a:r>
               <a:rPr lang="it-IT" b="1" dirty="0" smtClean="0"/>
-              <a:t>Strutture compresse: implementazione grafica di un Wavelet Tree in java</a:t>
+              <a:t>Strutture </a:t>
+            </a:r>
+            <a:r>
+              <a:rPr lang="it-IT" b="1" dirty="0" smtClean="0"/>
+              <a:t>dati compresse</a:t>
+            </a:r>
+            <a:r>
+              <a:rPr lang="it-IT" b="1" dirty="0" smtClean="0"/>
+              <a:t>: </a:t>
+            </a:r>
+            <a:r>
+              <a:rPr lang="it-IT" sz="3900" b="1" dirty="0" smtClean="0"/>
+              <a:t>implementazione grafica di un Wavelet Tree in </a:t>
+            </a:r>
+            <a:r>
+              <a:rPr lang="it-IT" sz="3900" b="1" dirty="0" smtClean="0"/>
+              <a:t>Java</a:t>
             </a:r>
             <a:r>
               <a:rPr lang="it-IT" dirty="0" smtClean="0"/>
@@ -3118,7 +3484,7 @@
         </p:nvSpPr>
         <p:spPr>
           <a:xfrm>
-            <a:off x="714348" y="4357694"/>
+            <a:off x="714348" y="4714884"/>
             <a:ext cx="7786742" cy="2500306"/>
           </a:xfrm>
         </p:spPr>
@@ -3130,56 +3496,66 @@
           <a:p>
             <a:pPr algn="l"/>
             <a:r>
-              <a:rPr lang="it-IT" dirty="0" smtClean="0"/>
+              <a:rPr lang="it-IT" sz="2500" dirty="0" smtClean="0"/>
               <a:t>Primo </a:t>
             </a:r>
             <a:r>
-              <a:rPr lang="it-IT" dirty="0" smtClean="0"/>
-              <a:t>Relatore :  </a:t>
-            </a:r>
-            <a:r>
-              <a:rPr lang="it-IT" dirty="0" smtClean="0"/>
+              <a:rPr lang="it-IT" sz="2500" dirty="0" smtClean="0"/>
+              <a:t>Relatore:  </a:t>
+            </a:r>
+            <a:r>
+              <a:rPr lang="it-IT" sz="2500" dirty="0" smtClean="0"/>
               <a:t>Viviana Bono</a:t>
             </a:r>
           </a:p>
           <a:p>
             <a:pPr algn="l"/>
             <a:r>
-              <a:rPr lang="it-IT" dirty="0" smtClean="0"/>
+              <a:rPr lang="it-IT" sz="2500" dirty="0" smtClean="0"/>
               <a:t>Secondo </a:t>
             </a:r>
             <a:r>
-              <a:rPr lang="it-IT" dirty="0" smtClean="0"/>
-              <a:t>Relatore : </a:t>
-            </a:r>
-            <a:r>
-              <a:rPr lang="it-IT" dirty="0" smtClean="0"/>
+              <a:rPr lang="it-IT" sz="2500" dirty="0" smtClean="0"/>
+              <a:t>Relatore: </a:t>
+            </a:r>
+            <a:r>
+              <a:rPr lang="it-IT" sz="2500" dirty="0" smtClean="0"/>
               <a:t>Ferruccio Damiani</a:t>
             </a:r>
           </a:p>
           <a:p>
             <a:pPr algn="l"/>
             <a:r>
-              <a:rPr lang="it-IT" dirty="0" smtClean="0"/>
-              <a:t>Correlatore : </a:t>
-            </a:r>
-            <a:r>
-              <a:rPr lang="it-IT" dirty="0" smtClean="0"/>
+              <a:rPr lang="it-IT" sz="2500" dirty="0" smtClean="0"/>
+              <a:t>Correlatore: </a:t>
+            </a:r>
+            <a:r>
+              <a:rPr lang="it-IT" sz="2500" dirty="0" smtClean="0"/>
               <a:t>Giorgio </a:t>
             </a:r>
             <a:r>
-              <a:rPr lang="it-IT" dirty="0" err="1" smtClean="0"/>
+              <a:rPr lang="it-IT" sz="2500" dirty="0" smtClean="0"/>
               <a:t>Audrito</a:t>
             </a:r>
-            <a:endParaRPr lang="it-IT" dirty="0" smtClean="0"/>
-          </a:p>
-          <a:p>
-            <a:pPr algn="l"/>
-            <a:r>
-              <a:rPr lang="it-IT" dirty="0" smtClean="0"/>
-              <a:t>Candidato : Luca Serena</a:t>
-            </a:r>
-            <a:endParaRPr lang="it-IT" dirty="0" smtClean="0"/>
+          </a:p>
+          <a:p>
+            <a:pPr algn="r"/>
+            <a:r>
+              <a:rPr lang="it-IT" sz="2500" dirty="0" smtClean="0">
+                <a:solidFill>
+                  <a:schemeClr val="tx1"/>
+                </a:solidFill>
+              </a:rPr>
+              <a:t>Candidato: </a:t>
+            </a:r>
+            <a:r>
+              <a:rPr lang="it-IT" sz="2500" dirty="0" smtClean="0">
+                <a:solidFill>
+                  <a:schemeClr val="tx1"/>
+                </a:solidFill>
+              </a:rPr>
+              <a:t>Luca Serena</a:t>
+            </a:r>
           </a:p>
           <a:p>
             <a:endParaRPr lang="it-IT" dirty="0"/>
@@ -3203,7 +3579,7 @@
         <p:spPr>
           <a:xfrm>
             <a:off x="2357422" y="2357430"/>
-            <a:ext cx="4924425" cy="1905000"/>
+            <a:ext cx="4929222" cy="1905000"/>
           </a:xfrm>
           <a:prstGeom prst="rect">
             <a:avLst/>
@@ -3247,7 +3623,7 @@
         </p:nvSpPr>
         <p:spPr>
           <a:xfrm>
-            <a:off x="642910" y="357166"/>
+            <a:off x="642910" y="0"/>
             <a:ext cx="7772400" cy="1470025"/>
           </a:xfrm>
         </p:spPr>
@@ -3302,8 +3678,8 @@
         </p:blipFill>
         <p:spPr>
           <a:xfrm>
-            <a:off x="1357290" y="1551032"/>
-            <a:ext cx="6786610" cy="4407540"/>
+            <a:off x="500033" y="1357299"/>
+            <a:ext cx="8469831" cy="5500702"/>
           </a:xfrm>
           <a:prstGeom prst="rect">
             <a:avLst/>
@@ -3345,7 +3721,12 @@
             <p:ph type="title"/>
           </p:nvPr>
         </p:nvSpPr>
-        <p:spPr/>
+        <p:spPr>
+          <a:xfrm>
+            <a:off x="428596" y="142852"/>
+            <a:ext cx="8229600" cy="1143000"/>
+          </a:xfrm>
+        </p:spPr>
         <p:txBody>
           <a:bodyPr/>
           <a:lstStyle/>
@@ -3380,11 +3761,41 @@
         </p:blipFill>
         <p:spPr>
           <a:xfrm>
-            <a:off x="457200" y="2645536"/>
-            <a:ext cx="8229600" cy="2435290"/>
+            <a:off x="-29623" y="1785926"/>
+            <a:ext cx="9173623" cy="2714644"/>
           </a:xfrm>
         </p:spPr>
       </p:pic>
+      <p:sp>
+        <p:nvSpPr>
+          <p:cNvPr id="6" name="CasellaDiTesto 5"/>
+          <p:cNvSpPr txBox="1"/>
+          <p:nvPr/>
+        </p:nvSpPr>
+        <p:spPr>
+          <a:xfrm flipH="1">
+            <a:off x="2928926" y="5572140"/>
+            <a:ext cx="4286279" cy="861774"/>
+          </a:xfrm>
+          <a:prstGeom prst="rect">
+            <a:avLst/>
+          </a:prstGeom>
+          <a:noFill/>
+        </p:spPr>
+        <p:txBody>
+          <a:bodyPr wrap="square" rtlCol="0">
+            <a:spAutoFit/>
+          </a:bodyPr>
+          <a:lstStyle/>
+          <a:p>
+            <a:r>
+              <a:rPr lang="it-IT" sz="5000" dirty="0" smtClean="0"/>
+              <a:t>Grazie!</a:t>
+            </a:r>
+            <a:endParaRPr lang="it-IT" sz="5000" dirty="0"/>
+          </a:p>
+        </p:txBody>
+      </p:sp>
     </p:spTree>
   </p:cSld>
   <p:clrMapOvr>
@@ -3420,7 +3831,12 @@
             <p:ph type="body" idx="1"/>
           </p:nvPr>
         </p:nvSpPr>
-        <p:spPr/>
+        <p:spPr>
+          <a:xfrm>
+            <a:off x="428596" y="857232"/>
+            <a:ext cx="4040188" cy="639762"/>
+          </a:xfrm>
+        </p:spPr>
         <p:txBody>
           <a:bodyPr/>
           <a:lstStyle/>
@@ -3443,7 +3859,12 @@
             <p:ph sz="half" idx="2"/>
           </p:nvPr>
         </p:nvSpPr>
-        <p:spPr/>
+        <p:spPr>
+          <a:xfrm>
+            <a:off x="428596" y="1714488"/>
+            <a:ext cx="4040188" cy="3951288"/>
+          </a:xfrm>
+        </p:spPr>
         <p:txBody>
           <a:bodyPr/>
           <a:lstStyle/>
@@ -3462,13 +3883,8 @@
           <a:p>
             <a:r>
               <a:rPr lang="it-IT" dirty="0" smtClean="0"/>
-              <a:t>F</a:t>
-            </a:r>
-            <a:r>
-              <a:rPr lang="it-IT" dirty="0" smtClean="0"/>
-              <a:t>ondamentale</a:t>
-            </a:r>
-            <a:endParaRPr lang="it-IT" dirty="0" smtClean="0"/>
+              <a:t>Fondamentale</a:t>
+            </a:r>
           </a:p>
         </p:txBody>
       </p:sp>
@@ -3482,7 +3898,12 @@
             <p:ph type="body" sz="quarter" idx="3"/>
           </p:nvPr>
         </p:nvSpPr>
-        <p:spPr/>
+        <p:spPr>
+          <a:xfrm>
+            <a:off x="4572000" y="857232"/>
+            <a:ext cx="4041775" cy="639762"/>
+          </a:xfrm>
+        </p:spPr>
         <p:txBody>
           <a:bodyPr/>
           <a:lstStyle/>
@@ -3505,18 +3926,19 @@
             <p:ph sz="quarter" idx="4"/>
           </p:nvPr>
         </p:nvSpPr>
-        <p:spPr/>
-        <p:txBody>
-          <a:bodyPr/>
-          <a:lstStyle/>
-          <a:p>
-            <a:r>
-              <a:rPr lang="it-IT" dirty="0" err="1" smtClean="0"/>
-              <a:t>Lossy</a:t>
-            </a:r>
+        <p:spPr>
+          <a:xfrm>
+            <a:off x="4643438" y="1643050"/>
+            <a:ext cx="4041775" cy="3951288"/>
+          </a:xfrm>
+        </p:spPr>
+        <p:txBody>
+          <a:bodyPr/>
+          <a:lstStyle/>
+          <a:p>
             <a:r>
               <a:rPr lang="it-IT" dirty="0" smtClean="0"/>
-              <a:t>: con perdita di informazione irrilevante</a:t>
+              <a:t>Lossy: con perdita di informazione irrilevante</a:t>
             </a:r>
           </a:p>
           <a:p>
@@ -3528,6 +3950,30 @@
           </a:p>
         </p:txBody>
       </p:sp>
+      <p:pic>
+        <p:nvPicPr>
+          <p:cNvPr id="7" name="Immagine 6" descr="hz.jpg"/>
+          <p:cNvPicPr>
+            <a:picLocks noChangeAspect="1"/>
+          </p:cNvPicPr>
+          <p:nvPr/>
+        </p:nvPicPr>
+        <p:blipFill>
+          <a:blip r:embed="rId2" cstate="print"/>
+          <a:stretch>
+            <a:fillRect/>
+          </a:stretch>
+        </p:blipFill>
+        <p:spPr>
+          <a:xfrm>
+            <a:off x="1414900" y="3770950"/>
+            <a:ext cx="6086057" cy="2515570"/>
+          </a:xfrm>
+          <a:prstGeom prst="rect">
+            <a:avLst/>
+          </a:prstGeom>
+        </p:spPr>
+      </p:pic>
     </p:spTree>
   </p:cSld>
   <p:clrMapOvr>
@@ -3595,12 +4041,8 @@
               <a:buNone/>
             </a:pPr>
             <a:r>
-              <a:rPr lang="it-IT" dirty="0" smtClean="0"/>
-              <a:t>    Misura il disordine, </a:t>
-            </a:r>
-            <a:r>
-              <a:rPr lang="it-IT" dirty="0" smtClean="0"/>
-              <a:t>è un indicatore dell’incertezza in una sorgente di dati e può essere definita come l’informazione media contenuta in tali messaggi.</a:t>
+              <a:rPr lang="it-IT" sz="2800" dirty="0" smtClean="0"/>
+              <a:t>    Misura il disordine, è un indicatore dell’incertezza in una sorgente di dati e può essere definita come l’informazione media contenuta in tali messaggi.</a:t>
             </a:r>
           </a:p>
           <a:p>
@@ -3611,6 +4053,30 @@
           </a:p>
         </p:txBody>
       </p:sp>
+      <p:pic>
+        <p:nvPicPr>
+          <p:cNvPr id="4" name="Immagine 3" descr="Binary_entropy_plot.svg.png"/>
+          <p:cNvPicPr>
+            <a:picLocks noChangeAspect="1"/>
+          </p:cNvPicPr>
+          <p:nvPr/>
+        </p:nvPicPr>
+        <p:blipFill>
+          <a:blip r:embed="rId2" cstate="print"/>
+          <a:stretch>
+            <a:fillRect/>
+          </a:stretch>
+        </p:blipFill>
+        <p:spPr>
+          <a:xfrm>
+            <a:off x="2071670" y="2945749"/>
+            <a:ext cx="4714908" cy="3697941"/>
+          </a:xfrm>
+          <a:prstGeom prst="rect">
+            <a:avLst/>
+          </a:prstGeom>
+        </p:spPr>
+      </p:pic>
     </p:spTree>
   </p:cSld>
   <p:clrMapOvr>
@@ -3669,9 +4135,16 @@
             <p:ph idx="1"/>
           </p:nvPr>
         </p:nvSpPr>
-        <p:spPr/>
-        <p:txBody>
-          <a:bodyPr/>
+        <p:spPr>
+          <a:xfrm>
+            <a:off x="285720" y="1571612"/>
+            <a:ext cx="8643998" cy="5072098"/>
+          </a:xfrm>
+        </p:spPr>
+        <p:txBody>
+          <a:bodyPr>
+            <a:normAutofit lnSpcReduction="10000"/>
+          </a:bodyPr>
           <a:lstStyle/>
           <a:p>
             <a:r>
@@ -3679,21 +4152,38 @@
               <a:t>Codifica di </a:t>
             </a:r>
             <a:r>
+              <a:rPr lang="it-IT" dirty="0" smtClean="0"/>
+              <a:t>Huffman: </a:t>
+            </a:r>
+            <a:r>
+              <a:rPr lang="it-IT" sz="2000" dirty="0" smtClean="0"/>
+              <a:t>rappresenta i simboli con dei prefissi binari, usando meno bit per i caratteri più frequenti</a:t>
+            </a:r>
+            <a:endParaRPr lang="it-IT" sz="2000" dirty="0" smtClean="0"/>
+          </a:p>
+          <a:p>
+            <a:r>
+              <a:rPr lang="it-IT" dirty="0" smtClean="0"/>
+              <a:t>Codifica </a:t>
+            </a:r>
+            <a:r>
+              <a:rPr lang="it-IT" dirty="0" smtClean="0"/>
+              <a:t>aritmetica: </a:t>
+            </a:r>
+            <a:r>
+              <a:rPr lang="it-IT" sz="2000" dirty="0" smtClean="0"/>
+              <a:t>i dati vengono rappresentati da un numero decimale compreso tra 0 ed 1</a:t>
+            </a:r>
+            <a:endParaRPr lang="it-IT" sz="2000" dirty="0" smtClean="0"/>
+          </a:p>
+          <a:p>
+            <a:r>
+              <a:rPr lang="it-IT" dirty="0" smtClean="0"/>
+              <a:t>Prediction </a:t>
+            </a:r>
+            <a:r>
               <a:rPr lang="it-IT" dirty="0" err="1" smtClean="0"/>
-              <a:t>Huffman</a:t>
-            </a:r>
-            <a:endParaRPr lang="it-IT" dirty="0" smtClean="0"/>
-          </a:p>
-          <a:p>
-            <a:r>
-              <a:rPr lang="it-IT" dirty="0" smtClean="0"/>
-              <a:t>Codifica aritmetica</a:t>
-            </a:r>
-          </a:p>
-          <a:p>
-            <a:r>
-              <a:rPr lang="it-IT" dirty="0" err="1" smtClean="0"/>
-              <a:t>Prediction</a:t>
+              <a:t>by</a:t>
             </a:r>
             <a:r>
               <a:rPr lang="it-IT" dirty="0" smtClean="0"/>
@@ -3701,7 +4191,7 @@
             </a:r>
             <a:r>
               <a:rPr lang="it-IT" dirty="0" err="1" smtClean="0"/>
-              <a:t>by</a:t>
+              <a:t>Partial</a:t>
             </a:r>
             <a:r>
               <a:rPr lang="it-IT" dirty="0" smtClean="0"/>
@@ -3709,7 +4199,26 @@
             </a:r>
             <a:r>
               <a:rPr lang="it-IT" dirty="0" err="1" smtClean="0"/>
-              <a:t>Partial</a:t>
+              <a:t>Matching</a:t>
+            </a:r>
+            <a:r>
+              <a:rPr lang="it-IT" dirty="0" smtClean="0"/>
+              <a:t>: </a:t>
+            </a:r>
+            <a:r>
+              <a:rPr lang="it-IT" sz="2000" dirty="0" smtClean="0"/>
+              <a:t>analizza i dati già tradotti per fare previsioni su quelli successivi</a:t>
+            </a:r>
+            <a:endParaRPr lang="it-IT" sz="2000" dirty="0" smtClean="0"/>
+          </a:p>
+          <a:p>
+            <a:r>
+              <a:rPr lang="it-IT" dirty="0" smtClean="0"/>
+              <a:t>Trasformata di </a:t>
+            </a:r>
+            <a:r>
+              <a:rPr lang="it-IT" dirty="0" err="1" smtClean="0"/>
+              <a:t>Burrows</a:t>
             </a:r>
             <a:r>
               <a:rPr lang="it-IT" dirty="0" smtClean="0"/>
@@ -3717,18 +4226,22 @@
             </a:r>
             <a:r>
               <a:rPr lang="it-IT" dirty="0" err="1" smtClean="0"/>
-              <a:t>Matching</a:t>
-            </a:r>
-            <a:endParaRPr lang="it-IT" dirty="0" smtClean="0"/>
-          </a:p>
-          <a:p>
+              <a:t>Wheeler</a:t>
+            </a:r>
             <a:r>
               <a:rPr lang="it-IT" dirty="0" smtClean="0"/>
-              <a:t>Trasformata di </a:t>
-            </a:r>
+              <a:t>: </a:t>
+            </a:r>
+            <a:r>
+              <a:rPr lang="it-IT" sz="2000" dirty="0" smtClean="0"/>
+              <a:t>permuta l’input in modo che ci siano molti caratteri uguali in posizione adiacente</a:t>
+            </a:r>
+            <a:endParaRPr lang="it-IT" sz="2000" dirty="0" smtClean="0"/>
+          </a:p>
+          <a:p>
             <a:r>
               <a:rPr lang="it-IT" dirty="0" err="1" smtClean="0"/>
-              <a:t>Burrows</a:t>
+              <a:t>Move</a:t>
             </a:r>
             <a:r>
               <a:rPr lang="it-IT" dirty="0" smtClean="0"/>
@@ -3736,14 +4249,7 @@
             </a:r>
             <a:r>
               <a:rPr lang="it-IT" dirty="0" err="1" smtClean="0"/>
-              <a:t>Wheeler</a:t>
-            </a:r>
-            <a:endParaRPr lang="it-IT" dirty="0" smtClean="0"/>
-          </a:p>
-          <a:p>
-            <a:r>
-              <a:rPr lang="it-IT" dirty="0" err="1" smtClean="0"/>
-              <a:t>Move</a:t>
+              <a:t>to</a:t>
             </a:r>
             <a:r>
               <a:rPr lang="it-IT" dirty="0" smtClean="0"/>
@@ -3751,7 +4257,34 @@
             </a:r>
             <a:r>
               <a:rPr lang="it-IT" dirty="0" err="1" smtClean="0"/>
-              <a:t>to</a:t>
+              <a:t>Front</a:t>
+            </a:r>
+            <a:r>
+              <a:rPr lang="it-IT" dirty="0" smtClean="0"/>
+              <a:t>: </a:t>
+            </a:r>
+            <a:r>
+              <a:rPr lang="it-IT" sz="2000" dirty="0" smtClean="0"/>
+              <a:t>c</a:t>
+            </a:r>
+            <a:r>
+              <a:rPr lang="it-IT" sz="2000" dirty="0" smtClean="0"/>
+              <a:t>odifica i </a:t>
+            </a:r>
+            <a:r>
+              <a:rPr lang="it-IT" sz="2000" dirty="0" smtClean="0"/>
+              <a:t>vari caratteri </a:t>
+            </a:r>
+            <a:r>
+              <a:rPr lang="it-IT" sz="2000" dirty="0" smtClean="0"/>
+              <a:t>con degli indici in modo da diminuire l’entropia</a:t>
+            </a:r>
+            <a:endParaRPr lang="it-IT" sz="2000" dirty="0" smtClean="0"/>
+          </a:p>
+          <a:p>
+            <a:r>
+              <a:rPr lang="it-IT" dirty="0" err="1" smtClean="0"/>
+              <a:t>Run</a:t>
             </a:r>
             <a:r>
               <a:rPr lang="it-IT" dirty="0" smtClean="0"/>
@@ -3759,14 +4292,7 @@
             </a:r>
             <a:r>
               <a:rPr lang="it-IT" dirty="0" err="1" smtClean="0"/>
-              <a:t>Front</a:t>
-            </a:r>
-            <a:endParaRPr lang="it-IT" dirty="0" smtClean="0"/>
-          </a:p>
-          <a:p>
-            <a:r>
-              <a:rPr lang="it-IT" dirty="0" err="1" smtClean="0"/>
-              <a:t>Run</a:t>
+              <a:t>Length</a:t>
             </a:r>
             <a:r>
               <a:rPr lang="it-IT" dirty="0" smtClean="0"/>
@@ -3774,17 +4300,17 @@
             </a:r>
             <a:r>
               <a:rPr lang="it-IT" dirty="0" err="1" smtClean="0"/>
-              <a:t>Length</a:t>
+              <a:t>Encoding</a:t>
             </a:r>
             <a:r>
               <a:rPr lang="it-IT" dirty="0" smtClean="0"/>
-              <a:t> </a:t>
-            </a:r>
-            <a:r>
-              <a:rPr lang="it-IT" dirty="0" err="1" smtClean="0"/>
-              <a:t>Encoding</a:t>
-            </a:r>
-            <a:endParaRPr lang="it-IT" dirty="0"/>
+              <a:t>: </a:t>
+            </a:r>
+            <a:r>
+              <a:rPr lang="it-IT" sz="2200" dirty="0" smtClean="0"/>
+              <a:t>permette di raggruppare pattern che appaiono consecutivamente</a:t>
+            </a:r>
+            <a:endParaRPr lang="it-IT" sz="2200" dirty="0"/>
           </a:p>
         </p:txBody>
       </p:sp>
@@ -3830,7 +4356,11 @@
           <a:p>
             <a:r>
               <a:rPr lang="it-IT" dirty="0" smtClean="0"/>
-              <a:t>Strutture dati di compressione</a:t>
+              <a:t>Strutture dati </a:t>
+            </a:r>
+            <a:r>
+              <a:rPr lang="it-IT" dirty="0" smtClean="0"/>
+              <a:t>compresse</a:t>
             </a:r>
             <a:endParaRPr lang="it-IT" dirty="0"/>
           </a:p>
@@ -3853,26 +4383,62 @@
           </a:xfrm>
         </p:spPr>
         <p:txBody>
-          <a:bodyPr/>
+          <a:bodyPr>
+            <a:normAutofit/>
+          </a:bodyPr>
           <a:lstStyle/>
           <a:p>
             <a:r>
               <a:rPr lang="it-IT" dirty="0" smtClean="0"/>
-              <a:t>Array di suffissi</a:t>
-            </a:r>
-          </a:p>
-          <a:p>
+              <a:t>Array di </a:t>
+            </a:r>
             <a:r>
               <a:rPr lang="it-IT" dirty="0" smtClean="0"/>
-              <a:t>Albero di suffissi</a:t>
-            </a:r>
+              <a:t>suffissi: </a:t>
+            </a:r>
+            <a:r>
+              <a:rPr lang="it-IT" sz="2000" dirty="0" smtClean="0"/>
+              <a:t>struttura che elenca le posizioni di partenza dei suffissi</a:t>
+            </a:r>
+            <a:endParaRPr lang="it-IT" sz="2000" dirty="0" smtClean="0"/>
+          </a:p>
+          <a:p>
+            <a:r>
+              <a:rPr lang="it-IT" dirty="0" smtClean="0"/>
+              <a:t>Albero di </a:t>
+            </a:r>
+            <a:r>
+              <a:rPr lang="it-IT" dirty="0" smtClean="0"/>
+              <a:t>suffissi: </a:t>
+            </a:r>
+            <a:r>
+              <a:rPr lang="it-IT" sz="2000" dirty="0" smtClean="0"/>
+              <a:t>struttura che permette di risolvere il problema del </a:t>
+            </a:r>
+            <a:r>
+              <a:rPr lang="it-IT" sz="2000" dirty="0" err="1" smtClean="0"/>
+              <a:t>matching</a:t>
+            </a:r>
+            <a:r>
+              <a:rPr lang="it-IT" sz="2000" dirty="0" smtClean="0"/>
+              <a:t> esatto in tempo lineare</a:t>
+            </a:r>
+            <a:endParaRPr lang="it-IT" sz="2000" dirty="0" smtClean="0"/>
           </a:p>
           <a:p>
             <a:r>
               <a:rPr lang="it-IT" dirty="0" err="1" smtClean="0"/>
               <a:t>FM-index</a:t>
             </a:r>
-            <a:endParaRPr lang="it-IT" dirty="0"/>
+            <a:r>
+              <a:rPr lang="it-IT" dirty="0" smtClean="0"/>
+              <a:t>: </a:t>
+            </a:r>
+            <a:r>
+              <a:rPr lang="it-IT" sz="2000" dirty="0" smtClean="0"/>
+              <a:t>struttura che consente di eseguire query come rank e select direttamente sul documento compresso</a:t>
+            </a:r>
+            <a:endParaRPr lang="it-IT" sz="2000" dirty="0"/>
           </a:p>
         </p:txBody>
       </p:sp>
@@ -3918,7 +4484,7 @@
           <a:p>
             <a:r>
               <a:rPr lang="it-IT" dirty="0" smtClean="0"/>
-              <a:t>Query su strutture dati compresse</a:t>
+              <a:t>Operazioni Rank e Select</a:t>
             </a:r>
             <a:endParaRPr lang="it-IT" dirty="0"/>
           </a:p>
@@ -3936,7 +4502,7 @@
         </p:nvSpPr>
         <p:spPr>
           <a:xfrm>
-            <a:off x="571472" y="3214686"/>
+            <a:off x="571472" y="2071678"/>
             <a:ext cx="4038600" cy="2471742"/>
           </a:xfrm>
         </p:spPr>
@@ -3945,19 +4511,35 @@
           <a:lstStyle/>
           <a:p>
             <a:r>
+              <a:rPr lang="it-IT" dirty="0" err="1" smtClean="0"/>
+              <a:t>Rank</a:t>
+            </a:r>
+            <a:r>
+              <a:rPr lang="it-IT" sz="1800" dirty="0" err="1" smtClean="0"/>
+              <a:t>X</a:t>
+            </a:r>
+            <a:r>
               <a:rPr lang="it-IT" dirty="0" smtClean="0"/>
-              <a:t>R</a:t>
+              <a:t>(S</a:t>
             </a:r>
             <a:r>
               <a:rPr lang="it-IT" dirty="0" smtClean="0"/>
-              <a:t>ank1(S, i): </a:t>
+              <a:t>, i): </a:t>
             </a:r>
             <a:br>
               <a:rPr lang="it-IT" dirty="0" smtClean="0"/>
             </a:br>
             <a:r>
               <a:rPr lang="it-IT" dirty="0" smtClean="0"/>
-              <a:t>restituisce il numero di 1 nel prefisso S[1, i]</a:t>
+              <a:t>restituisce il numero di </a:t>
+            </a:r>
+            <a:r>
+              <a:rPr lang="it-IT" dirty="0" smtClean="0"/>
+              <a:t>X </a:t>
+            </a:r>
+            <a:r>
+              <a:rPr lang="it-IT" dirty="0" smtClean="0"/>
+              <a:t>nel prefisso S[1, i]</a:t>
             </a:r>
           </a:p>
           <a:p>
@@ -3977,7 +4559,7 @@
         </p:nvSpPr>
         <p:spPr>
           <a:xfrm>
-            <a:off x="4643438" y="3357562"/>
+            <a:off x="4643438" y="2000240"/>
             <a:ext cx="4067204" cy="2114552"/>
           </a:xfrm>
         </p:spPr>
@@ -3986,15 +4568,35 @@
           <a:lstStyle/>
           <a:p>
             <a:r>
+              <a:rPr lang="it-IT" dirty="0" err="1" smtClean="0"/>
+              <a:t>Select</a:t>
+            </a:r>
+            <a:r>
+              <a:rPr lang="it-IT" sz="1800" dirty="0" err="1" smtClean="0"/>
+              <a:t>X</a:t>
+            </a:r>
+            <a:r>
               <a:rPr lang="it-IT" dirty="0" smtClean="0"/>
-              <a:t>Select1(S, i):</a:t>
+              <a:t>(S</a:t>
+            </a:r>
+            <a:r>
+              <a:rPr lang="it-IT" dirty="0" smtClean="0"/>
+              <a:t>, i):</a:t>
             </a:r>
             <a:br>
               <a:rPr lang="it-IT" dirty="0" smtClean="0"/>
             </a:br>
             <a:r>
               <a:rPr lang="it-IT" dirty="0" smtClean="0"/>
-              <a:t> restituisce la posizione dell’i-esimo 1 in S</a:t>
+              <a:t> restituisce la posizione dell’i-esimo </a:t>
+            </a:r>
+            <a:r>
+              <a:rPr lang="it-IT" dirty="0" smtClean="0"/>
+              <a:t>X </a:t>
+            </a:r>
+            <a:r>
+              <a:rPr lang="it-IT" dirty="0" smtClean="0"/>
+              <a:t>in S</a:t>
             </a:r>
           </a:p>
           <a:p>
@@ -4002,6 +4604,30 @@
           </a:p>
         </p:txBody>
       </p:sp>
+      <p:pic>
+        <p:nvPicPr>
+          <p:cNvPr id="5" name="Immagine 4" descr="r sl.jpg"/>
+          <p:cNvPicPr>
+            <a:picLocks noChangeAspect="1"/>
+          </p:cNvPicPr>
+          <p:nvPr/>
+        </p:nvPicPr>
+        <p:blipFill>
+          <a:blip r:embed="rId2" cstate="print"/>
+          <a:stretch>
+            <a:fillRect/>
+          </a:stretch>
+        </p:blipFill>
+        <p:spPr>
+          <a:xfrm>
+            <a:off x="1785918" y="4214818"/>
+            <a:ext cx="5181600" cy="1657350"/>
+          </a:xfrm>
+          <a:prstGeom prst="rect">
+            <a:avLst/>
+          </a:prstGeom>
+        </p:spPr>
+      </p:pic>
     </p:spTree>
   </p:cSld>
   <p:clrMapOvr>
@@ -4044,12 +4670,32 @@
           </a:xfrm>
         </p:spPr>
         <p:txBody>
-          <a:bodyPr/>
+          <a:bodyPr>
+            <a:normAutofit fontScale="90000"/>
+          </a:bodyPr>
           <a:lstStyle/>
           <a:p>
             <a:r>
               <a:rPr lang="it-IT" dirty="0" smtClean="0"/>
-              <a:t>Wavelet Tree</a:t>
+              <a:t>Wavelet </a:t>
+            </a:r>
+            <a:r>
+              <a:rPr lang="it-IT" dirty="0" smtClean="0"/>
+              <a:t>Tree</a:t>
+            </a:r>
+            <a:br>
+              <a:rPr lang="it-IT" dirty="0" smtClean="0"/>
+            </a:br>
+            <a:r>
+              <a:rPr lang="it-IT" dirty="0" smtClean="0"/>
+              <a:t/>
+            </a:r>
+            <a:br>
+              <a:rPr lang="it-IT" dirty="0" smtClean="0"/>
+            </a:br>
+            <a:r>
+              <a:rPr lang="it-IT" sz="2000" dirty="0" smtClean="0"/>
+              <a:t>Date strutture Rank/Select binarie, grazie ai Wavelet Tree è possibile eseguire le query su un alfabeto arbitrario</a:t>
             </a:r>
             <a:endParaRPr lang="it-IT" dirty="0"/>
           </a:p>
@@ -4090,8 +4736,8 @@
         </p:blipFill>
         <p:spPr>
           <a:xfrm>
-            <a:off x="1214414" y="2357430"/>
-            <a:ext cx="6677957" cy="3315163"/>
+            <a:off x="1056494" y="2714620"/>
+            <a:ext cx="7051217" cy="3500462"/>
           </a:xfrm>
           <a:prstGeom prst="rect">
             <a:avLst/>
@@ -4146,25 +4792,29 @@
           </a:p>
         </p:txBody>
       </p:sp>
-      <p:sp>
-        <p:nvSpPr>
-          <p:cNvPr id="3" name="Segnaposto contenuto 2"/>
-          <p:cNvSpPr>
-            <a:spLocks noGrp="1"/>
-          </p:cNvSpPr>
+      <p:pic>
+        <p:nvPicPr>
+          <p:cNvPr id="6" name="Segnaposto contenuto 5" descr="sel.png"/>
+          <p:cNvPicPr>
+            <a:picLocks noGrp="1" noChangeAspect="1"/>
+          </p:cNvPicPr>
           <p:nvPr>
             <p:ph idx="1"/>
           </p:nvPr>
-        </p:nvSpPr>
-        <p:spPr/>
-        <p:txBody>
-          <a:bodyPr/>
-          <a:lstStyle/>
-          <a:p>
-            <a:endParaRPr lang="it-IT"/>
-          </a:p>
-        </p:txBody>
-      </p:sp>
+        </p:nvPicPr>
+        <p:blipFill>
+          <a:blip r:embed="rId2" cstate="print"/>
+          <a:stretch>
+            <a:fillRect/>
+          </a:stretch>
+        </p:blipFill>
+        <p:spPr>
+          <a:xfrm>
+            <a:off x="29478" y="2071678"/>
+            <a:ext cx="9114522" cy="4143404"/>
+          </a:xfrm>
+        </p:spPr>
+      </p:pic>
     </p:spTree>
   </p:cSld>
   <p:clrMapOvr>
@@ -4231,8 +4881,8 @@
         </p:blipFill>
         <p:spPr>
           <a:xfrm>
-            <a:off x="142844" y="2071678"/>
-            <a:ext cx="8780279" cy="3417119"/>
+            <a:off x="0" y="2071678"/>
+            <a:ext cx="9144000" cy="4429156"/>
           </a:xfrm>
         </p:spPr>
       </p:pic>
@@ -4525,4 +5175,287 @@
   <a:objectDefaults/>
   <a:extraClrSchemeLst/>
 </a:theme>
+</file>
+
+<file path=ppt/theme/theme2.xml><?xml version="1.0" encoding="utf-8"?>
+<a:theme xmlns:a="http://schemas.openxmlformats.org/drawingml/2006/main" name="Tema di Office">
+  <a:themeElements>
+    <a:clrScheme name="Office">
+      <a:dk1>
+        <a:sysClr val="windowText" lastClr="000000"/>
+      </a:dk1>
+      <a:lt1>
+        <a:sysClr val="window" lastClr="FFFFFF"/>
+      </a:lt1>
+      <a:dk2>
+        <a:srgbClr val="1F497D"/>
+      </a:dk2>
+      <a:lt2>
+        <a:srgbClr val="EEECE1"/>
+      </a:lt2>
+      <a:accent1>
+        <a:srgbClr val="4F81BD"/>
+      </a:accent1>
+      <a:accent2>
+        <a:srgbClr val="C0504D"/>
+      </a:accent2>
+      <a:accent3>
+        <a:srgbClr val="9BBB59"/>
+      </a:accent3>
+      <a:accent4>
+        <a:srgbClr val="8064A2"/>
+      </a:accent4>
+      <a:accent5>
+        <a:srgbClr val="4BACC6"/>
+      </a:accent5>
+      <a:accent6>
+        <a:srgbClr val="F79646"/>
+      </a:accent6>
+      <a:hlink>
+        <a:srgbClr val="0000FF"/>
+      </a:hlink>
+      <a:folHlink>
+        <a:srgbClr val="800080"/>
+      </a:folHlink>
+    </a:clrScheme>
+    <a:fontScheme name="Office">
+      <a:majorFont>
+        <a:latin typeface="Calibri"/>
+        <a:ea typeface=""/>
+        <a:cs typeface=""/>
+        <a:font script="Jpan" typeface="ＭＳ Ｐゴシック"/>
+        <a:font script="Hang" typeface="맑은 고딕"/>
+        <a:font script="Hans" typeface="宋体"/>
+        <a:font script="Hant" typeface="新細明體"/>
+        <a:font script="Arab" typeface="Times New Roman"/>
+        <a:font script="Hebr" typeface="Times New Roman"/>
+        <a:font script="Thai" typeface="Angsana New"/>
+        <a:font script="Ethi" typeface="Nyala"/>
+        <a:font script="Beng" typeface="Vrinda"/>
+        <a:font script="Gujr" typeface="Shruti"/>
+        <a:font script="Khmr" typeface="MoolBoran"/>
+        <a:font script="Knda" typeface="Tunga"/>
+        <a:font script="Guru" typeface="Raavi"/>
+        <a:font script="Cans" typeface="Euphemia"/>
+        <a:font script="Cher" typeface="Plantagenet Cherokee"/>
+        <a:font script="Yiii" typeface="Microsoft Yi Baiti"/>
+        <a:font script="Tibt" typeface="Microsoft Himalaya"/>
+        <a:font script="Thaa" typeface="MV Boli"/>
+        <a:font script="Deva" typeface="Mangal"/>
+        <a:font script="Telu" typeface="Gautami"/>
+        <a:font script="Taml" typeface="Latha"/>
+        <a:font script="Syrc" typeface="Estrangelo Edessa"/>
+        <a:font script="Orya" typeface="Kalinga"/>
+        <a:font script="Mlym" typeface="Kartika"/>
+        <a:font script="Laoo" typeface="DokChampa"/>
+        <a:font script="Sinh" typeface="Iskoola Pota"/>
+        <a:font script="Mong" typeface="Mongolian Baiti"/>
+        <a:font script="Viet" typeface="Times New Roman"/>
+        <a:font script="Uigh" typeface="Microsoft Uighur"/>
+      </a:majorFont>
+      <a:minorFont>
+        <a:latin typeface="Calibri"/>
+        <a:ea typeface=""/>
+        <a:cs typeface=""/>
+        <a:font script="Jpan" typeface="ＭＳ Ｐゴシック"/>
+        <a:font script="Hang" typeface="맑은 고딕"/>
+        <a:font script="Hans" typeface="宋体"/>
+        <a:font script="Hant" typeface="新細明體"/>
+        <a:font script="Arab" typeface="Arial"/>
+        <a:font script="Hebr" typeface="Arial"/>
+        <a:font script="Thai" typeface="Cordia New"/>
+        <a:font script="Ethi" typeface="Nyala"/>
+        <a:font script="Beng" typeface="Vrinda"/>
+        <a:font script="Gujr" typeface="Shruti"/>
+        <a:font script="Khmr" typeface="DaunPenh"/>
+        <a:font script="Knda" typeface="Tunga"/>
+        <a:font script="Guru" typeface="Raavi"/>
+        <a:font script="Cans" typeface="Euphemia"/>
+        <a:font script="Cher" typeface="Plantagenet Cherokee"/>
+        <a:font script="Yiii" typeface="Microsoft Yi Baiti"/>
+        <a:font script="Tibt" typeface="Microsoft Himalaya"/>
+        <a:font script="Thaa" typeface="MV Boli"/>
+        <a:font script="Deva" typeface="Mangal"/>
+        <a:font script="Telu" typeface="Gautami"/>
+        <a:font script="Taml" typeface="Latha"/>
+        <a:font script="Syrc" typeface="Estrangelo Edessa"/>
+        <a:font script="Orya" typeface="Kalinga"/>
+        <a:font script="Mlym" typeface="Kartika"/>
+        <a:font script="Laoo" typeface="DokChampa"/>
+        <a:font script="Sinh" typeface="Iskoola Pota"/>
+        <a:font script="Mong" typeface="Mongolian Baiti"/>
+        <a:font script="Viet" typeface="Arial"/>
+        <a:font script="Uigh" typeface="Microsoft Uighur"/>
+      </a:minorFont>
+    </a:fontScheme>
+    <a:fmtScheme name="Office">
+      <a:fillStyleLst>
+        <a:solidFill>
+          <a:schemeClr val="phClr"/>
+        </a:solidFill>
+        <a:gradFill rotWithShape="1">
+          <a:gsLst>
+            <a:gs pos="0">
+              <a:schemeClr val="phClr">
+                <a:tint val="50000"/>
+                <a:satMod val="300000"/>
+              </a:schemeClr>
+            </a:gs>
+            <a:gs pos="35000">
+              <a:schemeClr val="phClr">
+                <a:tint val="37000"/>
+                <a:satMod val="300000"/>
+              </a:schemeClr>
+            </a:gs>
+            <a:gs pos="100000">
+              <a:schemeClr val="phClr">
+                <a:tint val="15000"/>
+                <a:satMod val="350000"/>
+              </a:schemeClr>
+            </a:gs>
+          </a:gsLst>
+          <a:lin ang="16200000" scaled="1"/>
+        </a:gradFill>
+        <a:gradFill rotWithShape="1">
+          <a:gsLst>
+            <a:gs pos="0">
+              <a:schemeClr val="phClr">
+                <a:shade val="51000"/>
+                <a:satMod val="130000"/>
+              </a:schemeClr>
+            </a:gs>
+            <a:gs pos="80000">
+              <a:schemeClr val="phClr">
+                <a:shade val="93000"/>
+                <a:satMod val="130000"/>
+              </a:schemeClr>
+            </a:gs>
+            <a:gs pos="100000">
+              <a:schemeClr val="phClr">
+                <a:shade val="94000"/>
+                <a:satMod val="135000"/>
+              </a:schemeClr>
+            </a:gs>
+          </a:gsLst>
+          <a:lin ang="16200000" scaled="0"/>
+        </a:gradFill>
+      </a:fillStyleLst>
+      <a:lnStyleLst>
+        <a:ln w="9525" cap="flat" cmpd="sng" algn="ctr">
+          <a:solidFill>
+            <a:schemeClr val="phClr">
+              <a:shade val="95000"/>
+              <a:satMod val="105000"/>
+            </a:schemeClr>
+          </a:solidFill>
+          <a:prstDash val="solid"/>
+        </a:ln>
+        <a:ln w="25400" cap="flat" cmpd="sng" algn="ctr">
+          <a:solidFill>
+            <a:schemeClr val="phClr"/>
+          </a:solidFill>
+          <a:prstDash val="solid"/>
+        </a:ln>
+        <a:ln w="38100" cap="flat" cmpd="sng" algn="ctr">
+          <a:solidFill>
+            <a:schemeClr val="phClr"/>
+          </a:solidFill>
+          <a:prstDash val="solid"/>
+        </a:ln>
+      </a:lnStyleLst>
+      <a:effectStyleLst>
+        <a:effectStyle>
+          <a:effectLst>
+            <a:outerShdw blurRad="40000" dist="20000" dir="5400000" rotWithShape="0">
+              <a:srgbClr val="000000">
+                <a:alpha val="38000"/>
+              </a:srgbClr>
+            </a:outerShdw>
+          </a:effectLst>
+        </a:effectStyle>
+        <a:effectStyle>
+          <a:effectLst>
+            <a:outerShdw blurRad="40000" dist="23000" dir="5400000" rotWithShape="0">
+              <a:srgbClr val="000000">
+                <a:alpha val="35000"/>
+              </a:srgbClr>
+            </a:outerShdw>
+          </a:effectLst>
+        </a:effectStyle>
+        <a:effectStyle>
+          <a:effectLst>
+            <a:outerShdw blurRad="40000" dist="23000" dir="5400000" rotWithShape="0">
+              <a:srgbClr val="000000">
+                <a:alpha val="35000"/>
+              </a:srgbClr>
+            </a:outerShdw>
+          </a:effectLst>
+          <a:scene3d>
+            <a:camera prst="orthographicFront">
+              <a:rot lat="0" lon="0" rev="0"/>
+            </a:camera>
+            <a:lightRig rig="threePt" dir="t">
+              <a:rot lat="0" lon="0" rev="1200000"/>
+            </a:lightRig>
+          </a:scene3d>
+          <a:sp3d>
+            <a:bevelT w="63500" h="25400"/>
+          </a:sp3d>
+        </a:effectStyle>
+      </a:effectStyleLst>
+      <a:bgFillStyleLst>
+        <a:solidFill>
+          <a:schemeClr val="phClr"/>
+        </a:solidFill>
+        <a:gradFill rotWithShape="1">
+          <a:gsLst>
+            <a:gs pos="0">
+              <a:schemeClr val="phClr">
+                <a:tint val="40000"/>
+                <a:satMod val="350000"/>
+              </a:schemeClr>
+            </a:gs>
+            <a:gs pos="40000">
+              <a:schemeClr val="phClr">
+                <a:tint val="45000"/>
+                <a:shade val="99000"/>
+                <a:satMod val="350000"/>
+              </a:schemeClr>
+            </a:gs>
+            <a:gs pos="100000">
+              <a:schemeClr val="phClr">
+                <a:shade val="20000"/>
+                <a:satMod val="255000"/>
+              </a:schemeClr>
+            </a:gs>
+          </a:gsLst>
+          <a:path path="circle">
+            <a:fillToRect l="50000" t="-80000" r="50000" b="180000"/>
+          </a:path>
+        </a:gradFill>
+        <a:gradFill rotWithShape="1">
+          <a:gsLst>
+            <a:gs pos="0">
+              <a:schemeClr val="phClr">
+                <a:tint val="80000"/>
+                <a:satMod val="300000"/>
+              </a:schemeClr>
+            </a:gs>
+            <a:gs pos="100000">
+              <a:schemeClr val="phClr">
+                <a:shade val="30000"/>
+                <a:satMod val="200000"/>
+              </a:schemeClr>
+            </a:gs>
+          </a:gsLst>
+          <a:path path="circle">
+            <a:fillToRect l="50000" t="50000" r="50000" b="50000"/>
+          </a:path>
+        </a:gradFill>
+      </a:bgFillStyleLst>
+    </a:fmtScheme>
+  </a:themeElements>
+  <a:objectDefaults/>
+  <a:extraClrSchemeLst/>
+</a:theme>
 </file>